--- a/산출물_프로젝트_근태 관리/일정관리/인포젠시스템구축_월간보고_4월.pptx
+++ b/산출물_프로젝트_근태 관리/일정관리/인포젠시스템구축_월간보고_4월.pptx
@@ -299,7 +299,7 @@
             <a:fld id="{9774E4A5-B86E-4E93-8C14-6B3C109862C2}" type="datetimeFigureOut">
               <a:rPr lang="ko-KR" altLang="en-US" smtClean="0"/>
               <a:pPr/>
-              <a:t>2020-11-05</a:t>
+              <a:t>2020-11-12</a:t>
             </a:fld>
             <a:endParaRPr lang="ko-KR" altLang="en-US"/>
           </a:p>
@@ -466,7 +466,7 @@
             <a:fld id="{3F394226-9DCA-47B7-9997-5026E61A8369}" type="datetimeFigureOut">
               <a:rPr lang="ko-KR" altLang="en-US" smtClean="0"/>
               <a:pPr/>
-              <a:t>2020-11-05</a:t>
+              <a:t>2020-11-12</a:t>
             </a:fld>
             <a:endParaRPr lang="ko-KR" altLang="en-US"/>
           </a:p>
@@ -12168,7 +12168,7 @@
           <p:nvPr>
             <p:extLst>
               <p:ext uri="{D42A27DB-BD31-4B8C-83A1-F6EECF244321}">
-                <p14:modId xmlns:p14="http://schemas.microsoft.com/office/powerpoint/2010/main" val="4283416003"/>
+                <p14:modId xmlns:p14="http://schemas.microsoft.com/office/powerpoint/2010/main" val="3091505548"/>
               </p:ext>
             </p:extLst>
           </p:nvPr>
@@ -12289,22 +12289,180 @@
                     <a:bodyPr/>
                     <a:lstStyle/>
                     <a:p>
+                      <a:pPr latinLnBrk="1">
+                        <a:defRPr/>
+                      </a:pPr>
                       <a:r>
-                        <a:rPr lang="en-US" altLang="ko-KR" sz="1100" dirty="0" smtClean="0"/>
+                        <a:rPr lang="en-US" altLang="ko-KR" sz="1100" dirty="0"/>
+                        <a:t>1.</a:t>
+                      </a:r>
+                      <a:r>
+                        <a:rPr lang="ko-KR" altLang="en-US" sz="1100" dirty="0"/>
+                        <a:t> 시스템 기반 구조 선정</a:t>
+                      </a:r>
+                    </a:p>
+                  </a:txBody>
+                  <a:tcPr/>
+                </a:tc>
+                <a:tc>
+                  <a:txBody>
+                    <a:bodyPr/>
+                    <a:lstStyle/>
+                    <a:p>
+                      <a:pPr latinLnBrk="1">
+                        <a:defRPr/>
+                      </a:pPr>
+                      <a:r>
+                        <a:rPr lang="ko-KR" altLang="en-US" sz="1100" dirty="0"/>
+                        <a:t>진행 중</a:t>
+                      </a:r>
+                    </a:p>
+                  </a:txBody>
+                  <a:tcPr/>
+                </a:tc>
+                <a:tc>
+                  <a:txBody>
+                    <a:bodyPr/>
+                    <a:lstStyle/>
+                    <a:p>
+                      <a:pPr latinLnBrk="1">
+                        <a:defRPr/>
+                      </a:pPr>
+                      <a:endParaRPr lang="ko-KR" altLang="en-US" sz="1100"/>
+                    </a:p>
+                  </a:txBody>
+                  <a:tcPr/>
+                </a:tc>
+                <a:tc>
+                  <a:txBody>
+                    <a:bodyPr/>
+                    <a:lstStyle/>
+                    <a:p>
+                      <a:pPr latinLnBrk="1">
+                        <a:defRPr/>
+                      </a:pPr>
+                      <a:r>
+                        <a:rPr lang="en-US" altLang="ko-KR" sz="1100" dirty="0"/>
+                        <a:t>1.</a:t>
+                      </a:r>
+                      <a:r>
+                        <a:rPr lang="ko-KR" altLang="en-US" sz="1100" dirty="0"/>
+                        <a:t> 대상 시스템은</a:t>
+                      </a:r>
+                      <a:r>
+                        <a:rPr lang="en-US" altLang="ko-KR" sz="1100" dirty="0"/>
+                        <a:t> MSA</a:t>
+                      </a:r>
+                      <a:r>
+                        <a:rPr lang="ko-KR" altLang="en-US" sz="1100" dirty="0"/>
+                        <a:t> 기반으로 진행한다</a:t>
+                      </a:r>
+                      <a:r>
+                        <a:rPr lang="en-US" altLang="ko-KR" sz="1100" dirty="0"/>
+                        <a:t>.</a:t>
+                      </a:r>
+                    </a:p>
+                    <a:p>
+                      <a:pPr latinLnBrk="1">
+                        <a:defRPr/>
+                      </a:pPr>
+                      <a:r>
+                        <a:rPr lang="en-US" altLang="ko-KR" sz="1100" dirty="0"/>
+                        <a:t>2.</a:t>
+                      </a:r>
+                      <a:r>
+                        <a:rPr lang="ko-KR" altLang="en-US" sz="1100" dirty="0"/>
+                        <a:t> </a:t>
+                      </a:r>
+                      <a:r>
+                        <a:rPr lang="en-US" altLang="ko-KR" sz="1100" dirty="0" err="1"/>
+                        <a:t>DataBase</a:t>
+                      </a:r>
+                      <a:r>
+                        <a:rPr lang="ko-KR" altLang="en-US" sz="1100" dirty="0"/>
+                        <a:t>는 </a:t>
+                      </a:r>
+                      <a:r>
+                        <a:rPr lang="en-US" altLang="ko-KR" sz="1100" dirty="0"/>
+                        <a:t>RDB</a:t>
+                      </a:r>
+                      <a:r>
+                        <a:rPr lang="ko-KR" altLang="en-US" sz="1100" dirty="0"/>
+                        <a:t> 기반으로 진행할지 </a:t>
+                      </a:r>
+                      <a:r>
+                        <a:rPr lang="en-US" altLang="ko-KR" sz="1100" dirty="0" err="1"/>
+                        <a:t>NoSql</a:t>
+                      </a:r>
+                      <a:r>
+                        <a:rPr lang="ko-KR" altLang="en-US" sz="1100" dirty="0"/>
+                        <a:t> </a:t>
+                      </a:r>
+                      <a:r>
+                        <a:rPr lang="en-US" altLang="ko-KR" sz="1100" dirty="0"/>
                         <a:t>DB</a:t>
                       </a:r>
                       <a:r>
-                        <a:rPr lang="en-US" altLang="ko-KR" sz="1100" baseline="0" dirty="0" smtClean="0"/>
-                        <a:t> </a:t>
+                        <a:rPr lang="ko-KR" altLang="en-US" sz="1100" dirty="0"/>
+                        <a:t> 기반으로 진행할지 차기 회의에 최종 선정한다</a:t>
                       </a:r>
                       <a:r>
-                        <a:rPr lang="ko-KR" altLang="en-US" sz="1100" baseline="0" dirty="0" smtClean="0"/>
-                        <a:t>선정</a:t>
+                        <a:rPr lang="en-US" altLang="ko-KR" sz="1100" dirty="0"/>
+                        <a:t>.</a:t>
                       </a:r>
-                      <a:endParaRPr lang="ko-KR" altLang="en-US" sz="1100" dirty="0"/>
+                    </a:p>
+                    <a:p>
+                      <a:pPr latinLnBrk="1">
+                        <a:defRPr/>
+                      </a:pPr>
+                      <a:r>
+                        <a:rPr lang="en-US" altLang="ko-KR" sz="1100" dirty="0"/>
+                        <a:t>3.</a:t>
+                      </a:r>
+                      <a:r>
+                        <a:rPr lang="ko-KR" altLang="en-US" sz="1100" dirty="0"/>
+                        <a:t> 형상관리는 </a:t>
+                      </a:r>
+                      <a:r>
+                        <a:rPr lang="en-US" altLang="ko-KR" sz="1100" dirty="0"/>
+                        <a:t>GIT</a:t>
+                      </a:r>
+                      <a:r>
+                        <a:rPr lang="ko-KR" altLang="en-US" sz="1100" dirty="0"/>
+                        <a:t>을 통해 진행한다</a:t>
+                      </a:r>
+                      <a:r>
+                        <a:rPr lang="en-US" altLang="ko-KR" sz="1100" dirty="0"/>
+                        <a:t>.</a:t>
+                      </a:r>
+                    </a:p>
+                    <a:p>
+                      <a:pPr latinLnBrk="1">
+                        <a:defRPr/>
+                      </a:pPr>
+                      <a:r>
+                        <a:rPr lang="en-US" altLang="ko-KR" sz="1100" dirty="0"/>
+                        <a:t>4.</a:t>
+                      </a:r>
+                      <a:r>
+                        <a:rPr lang="ko-KR" altLang="en-US" sz="1100" dirty="0"/>
+                        <a:t> 프로젝트 진행사항 관리는 </a:t>
+                      </a:r>
+                      <a:r>
+                        <a:rPr lang="en-US" altLang="ko-KR" sz="1100" dirty="0" err="1"/>
+                        <a:t>RedMine</a:t>
+                      </a:r>
+                      <a:r>
+                        <a:rPr lang="ko-KR" altLang="en-US" sz="1100" dirty="0"/>
+                        <a:t>을 통해 진행한다</a:t>
+                      </a:r>
+                      <a:r>
+                        <a:rPr lang="en-US" altLang="ko-KR" sz="1100" dirty="0"/>
+                        <a:t>.</a:t>
+                      </a:r>
                     </a:p>
                   </a:txBody>
-                  <a:tcPr anchor="ctr"/>
+                  <a:tcPr/>
                 </a:tc>
                 <a:tc>
                   <a:txBody>
@@ -12312,91 +12470,6 @@
                     <a:lstStyle/>
                     <a:p>
                       <a:pPr latinLnBrk="1"/>
-                      <a:r>
-                        <a:rPr lang="ko-KR" altLang="en-US" sz="1100" dirty="0" err="1" smtClean="0"/>
-                        <a:t>진행중</a:t>
-                      </a:r>
-                      <a:endParaRPr lang="ko-KR" altLang="en-US" sz="1100" dirty="0"/>
-                    </a:p>
-                  </a:txBody>
-                  <a:tcPr anchor="ctr"/>
-                </a:tc>
-                <a:tc>
-                  <a:txBody>
-                    <a:bodyPr/>
-                    <a:lstStyle/>
-                    <a:p>
-                      <a:pPr latinLnBrk="1"/>
-                      <a:r>
-                        <a:rPr lang="en-US" altLang="ko-KR" sz="1100" dirty="0" smtClean="0"/>
-                        <a:t>04/30</a:t>
-                      </a:r>
-                      <a:endParaRPr lang="ko-KR" altLang="en-US" sz="1100" dirty="0"/>
-                    </a:p>
-                  </a:txBody>
-                  <a:tcPr anchor="ctr"/>
-                </a:tc>
-                <a:tc>
-                  <a:txBody>
-                    <a:bodyPr/>
-                    <a:lstStyle/>
-                    <a:p>
-                      <a:pPr marL="0" marR="0" indent="0" defTabSz="914400" eaLnBrk="1" fontAlgn="auto" latinLnBrk="1" hangingPunct="1">
-                        <a:lnSpc>
-                          <a:spcPct val="100000"/>
-                        </a:lnSpc>
-                        <a:spcBef>
-                          <a:spcPts val="0"/>
-                        </a:spcBef>
-                        <a:spcAft>
-                          <a:spcPts val="0"/>
-                        </a:spcAft>
-                        <a:buClrTx/>
-                        <a:buSzTx/>
-                        <a:buFontTx/>
-                        <a:buNone/>
-                        <a:tabLst/>
-                        <a:defRPr/>
-                      </a:pPr>
-                      <a:r>
-                        <a:rPr lang="ko-KR" altLang="en-US" sz="1100" dirty="0" smtClean="0"/>
-                        <a:t>환경에 맞는 </a:t>
-                      </a:r>
-                      <a:r>
-                        <a:rPr lang="en-US" altLang="ko-KR" sz="1100" dirty="0" smtClean="0"/>
-                        <a:t>DB </a:t>
-                      </a:r>
-                      <a:r>
-                        <a:rPr lang="ko-KR" altLang="en-US" sz="1100" dirty="0" smtClean="0"/>
-                        <a:t>선정 필요 </a:t>
-                      </a:r>
-                      <a:r>
-                        <a:rPr lang="en-US" altLang="ko-KR" sz="1100" dirty="0" smtClean="0"/>
-                        <a:t>(</a:t>
-                      </a:r>
-                      <a:r>
-                        <a:rPr lang="en-US" altLang="ko-KR" sz="1100" baseline="0" dirty="0" smtClean="0"/>
-                        <a:t>MONGODB / MARIADB</a:t>
-                      </a:r>
-                      <a:r>
-                        <a:rPr lang="en-US" altLang="ko-KR" sz="1100" baseline="0" dirty="0"/>
-                        <a:t>)</a:t>
-                      </a:r>
-                      <a:endParaRPr lang="en-US" altLang="ko-KR" sz="1100" baseline="0" dirty="0" smtClean="0"/>
-                    </a:p>
-                  </a:txBody>
-                  <a:tcPr anchor="ctr"/>
-                </a:tc>
-                <a:tc>
-                  <a:txBody>
-                    <a:bodyPr/>
-                    <a:lstStyle/>
-                    <a:p>
-                      <a:pPr latinLnBrk="1"/>
-                      <a:r>
-                        <a:rPr lang="ko-KR" altLang="en-US" sz="1100" dirty="0" smtClean="0"/>
-                        <a:t>김재신</a:t>
-                      </a:r>
                       <a:endParaRPr lang="en-US" altLang="ko-KR" sz="1100" dirty="0" smtClean="0"/>
                     </a:p>
                   </a:txBody>
@@ -12489,14 +12562,14 @@
           <p:nvPr>
             <p:extLst>
               <p:ext uri="{D42A27DB-BD31-4B8C-83A1-F6EECF244321}">
-                <p14:modId xmlns:p14="http://schemas.microsoft.com/office/powerpoint/2010/main" val="3957500207"/>
+                <p14:modId xmlns:p14="http://schemas.microsoft.com/office/powerpoint/2010/main" val="2711631521"/>
               </p:ext>
             </p:extLst>
           </p:nvPr>
         </p:nvGraphicFramePr>
         <p:xfrm>
           <a:off x="416496" y="980727"/>
-          <a:ext cx="9145016" cy="1872000"/>
+          <a:ext cx="9145016" cy="4680000"/>
         </p:xfrm>
         <a:graphic>
           <a:graphicData uri="http://schemas.openxmlformats.org/drawingml/2006/table">
@@ -12602,147 +12675,416 @@
                     <a:bodyPr/>
                     <a:lstStyle/>
                     <a:p>
-                      <a:pPr latinLnBrk="1"/>
+                      <a:pPr latinLnBrk="1">
+                        <a:defRPr/>
+                      </a:pPr>
                       <a:r>
-                        <a:rPr lang="ko-KR" altLang="en-US" sz="1100" dirty="0" smtClean="0"/>
-                        <a:t>개발 환경 </a:t>
+                        <a:rPr lang="ko-KR" altLang="en-US" sz="1100" dirty="0"/>
+                        <a:t>테스트 페이지 구축</a:t>
                       </a:r>
-                      <a:r>
-                        <a:rPr lang="ko-KR" altLang="en-US" sz="1100" dirty="0" err="1" smtClean="0"/>
-                        <a:t>세팅</a:t>
-                      </a:r>
-                      <a:r>
-                        <a:rPr lang="ko-KR" altLang="en-US" sz="1100" dirty="0" smtClean="0"/>
-                        <a:t> 및 </a:t>
-                      </a:r>
-                      <a:endParaRPr lang="en-US" altLang="ko-KR" sz="1100" dirty="0" smtClean="0"/>
-                    </a:p>
-                    <a:p>
-                      <a:pPr latinLnBrk="1"/>
-                      <a:r>
-                        <a:rPr lang="ko-KR" altLang="en-US" sz="1100" dirty="0" smtClean="0"/>
-                        <a:t>권한 부여</a:t>
-                      </a:r>
-                      <a:endParaRPr lang="ko-KR" altLang="en-US" sz="1100" dirty="0"/>
                     </a:p>
                   </a:txBody>
-                  <a:tcPr anchor="ctr"/>
+                  <a:tcPr/>
                 </a:tc>
                 <a:tc>
                   <a:txBody>
                     <a:bodyPr/>
                     <a:lstStyle/>
                     <a:p>
-                      <a:pPr marL="171450" indent="-171450" latinLnBrk="1">
-                        <a:buFontTx/>
-                        <a:buChar char="-"/>
+                      <a:pPr latinLnBrk="1">
+                        <a:defRPr/>
                       </a:pPr>
                       <a:r>
-                        <a:rPr lang="en-US" altLang="ko-KR" sz="1100" baseline="0" dirty="0" smtClean="0"/>
-                        <a:t>PYTHON 3.7.0 </a:t>
+                        <a:rPr lang="en-US" altLang="ko-KR" sz="1100" dirty="0"/>
+                        <a:t>1.</a:t>
                       </a:r>
                       <a:r>
-                        <a:rPr lang="ko-KR" altLang="en-US" sz="1100" baseline="0" dirty="0" smtClean="0"/>
-                        <a:t>버전</a:t>
-                      </a:r>
-                      <a:endParaRPr lang="en-US" altLang="ko-KR" sz="1100" baseline="0" dirty="0" smtClean="0"/>
-                    </a:p>
-                    <a:p>
-                      <a:pPr marL="171450" indent="-171450" latinLnBrk="1">
-                        <a:buFontTx/>
-                        <a:buChar char="-"/>
-                      </a:pPr>
-                      <a:r>
-                        <a:rPr lang="en-US" altLang="ko-KR" sz="1100" baseline="0" dirty="0" err="1" smtClean="0"/>
-                        <a:t>PyCharm</a:t>
-                      </a:r>
-                      <a:r>
-                        <a:rPr lang="en-US" altLang="ko-KR" sz="1100" baseline="0" dirty="0" smtClean="0"/>
-                        <a:t> Community Edition 2020.1.1</a:t>
+                        <a:rPr lang="ko-KR" altLang="en-US" sz="1100" dirty="0"/>
+                        <a:t> 프로젝트 진행 가능 여부를 판단하기 위하여 </a:t>
                       </a:r>
                     </a:p>
                     <a:p>
-                      <a:pPr marL="171450" indent="-171450" latinLnBrk="1">
-                        <a:buFontTx/>
-                        <a:buChar char="-"/>
+                      <a:pPr latinLnBrk="1">
+                        <a:defRPr/>
                       </a:pPr>
                       <a:r>
-                        <a:rPr lang="en-US" altLang="ko-KR" sz="1100" baseline="0" dirty="0" err="1" smtClean="0"/>
-                        <a:t>GitHub</a:t>
-                      </a:r>
-                      <a:r>
-                        <a:rPr lang="en-US" altLang="ko-KR" sz="1100" baseline="0" dirty="0" smtClean="0"/>
-                        <a:t> Desktop</a:t>
+                        <a:rPr lang="ko-KR" altLang="en-US" sz="1100" dirty="0"/>
+                        <a:t>   테스트 페이지 구축을 통하여 개발 가능 여부 판단 필요</a:t>
                       </a:r>
                     </a:p>
-                    <a:p>
-                      <a:pPr marL="171450" indent="-171450" latinLnBrk="1">
-                        <a:buFontTx/>
-                        <a:buChar char="-"/>
-                      </a:pPr>
-                      <a:r>
-                        <a:rPr lang="en-US" altLang="ko-KR" sz="1100" baseline="0" dirty="0" smtClean="0"/>
-                        <a:t>MONGODB / MARIADB</a:t>
-                      </a:r>
-                    </a:p>
-                    <a:p>
-                      <a:pPr marL="171450" indent="-171450" latinLnBrk="1">
-                        <a:buFontTx/>
-                        <a:buChar char="-"/>
-                      </a:pPr>
-                      <a:r>
-                        <a:rPr lang="en-US" altLang="ko-KR" sz="1100" baseline="0" dirty="0" err="1" smtClean="0"/>
-                        <a:t>heidiSql</a:t>
-                      </a:r>
-                      <a:endParaRPr lang="en-US" altLang="ko-KR" sz="1100" baseline="0" dirty="0" smtClean="0"/>
-                    </a:p>
                   </a:txBody>
-                  <a:tcPr anchor="ctr"/>
+                  <a:tcPr/>
                 </a:tc>
                 <a:tc>
                   <a:txBody>
                     <a:bodyPr/>
                     <a:lstStyle/>
                     <a:p>
-                      <a:pPr latinLnBrk="1"/>
+                      <a:pPr latinLnBrk="1">
+                        <a:defRPr/>
+                      </a:pPr>
                       <a:r>
-                        <a:rPr lang="en-US" altLang="ko-KR" sz="1100" dirty="0" smtClean="0"/>
-                        <a:t>04.01</a:t>
+                        <a:rPr lang="en-US" altLang="ko-KR" sz="1100"/>
+                        <a:t>2020.04</a:t>
                       </a:r>
-                      <a:endParaRPr lang="ko-KR" altLang="en-US" sz="1100" dirty="0"/>
                     </a:p>
                   </a:txBody>
-                  <a:tcPr anchor="ctr"/>
+                  <a:tcPr/>
                 </a:tc>
                 <a:tc>
                   <a:txBody>
                     <a:bodyPr/>
                     <a:lstStyle/>
                     <a:p>
-                      <a:pPr latinLnBrk="1"/>
+                      <a:pPr latinLnBrk="1">
+                        <a:defRPr/>
+                      </a:pPr>
                       <a:r>
-                        <a:rPr lang="ko-KR" altLang="en-US" sz="1100" dirty="0" smtClean="0"/>
-                        <a:t>김재신</a:t>
+                        <a:rPr lang="ko-KR" altLang="en-US" sz="1100"/>
+                        <a:t>임영석 책임</a:t>
                       </a:r>
-                      <a:endParaRPr lang="ko-KR" altLang="en-US" sz="1100" dirty="0"/>
                     </a:p>
                   </a:txBody>
-                  <a:tcPr anchor="ctr"/>
+                  <a:tcPr/>
                 </a:tc>
                 <a:tc>
                   <a:txBody>
                     <a:bodyPr/>
                     <a:lstStyle/>
                     <a:p>
-                      <a:pPr latinLnBrk="1"/>
+                      <a:pPr latinLnBrk="1">
+                        <a:defRPr/>
+                      </a:pPr>
                       <a:r>
-                        <a:rPr lang="ko-KR" altLang="en-US" sz="1100" dirty="0" err="1" smtClean="0"/>
+                        <a:rPr lang="ko-KR" altLang="en-US" sz="1100"/>
+                        <a:t>진행중</a:t>
+                      </a:r>
+                    </a:p>
+                  </a:txBody>
+                  <a:tcPr>
+                    <a:lnR w="12700" cmpd="sng">
+                      <a:noFill/>
+                    </a:lnR>
+                  </a:tcPr>
+                </a:tc>
+              </a:tr>
+              <a:tr h="936000">
+                <a:tc>
+                  <a:txBody>
+                    <a:bodyPr/>
+                    <a:lstStyle/>
+                    <a:p>
+                      <a:pPr latinLnBrk="1">
+                        <a:defRPr/>
+                      </a:pPr>
+                      <a:r>
+                        <a:rPr lang="ko-KR" altLang="en-US" sz="1100"/>
+                        <a:t>파이선 개발 가이드 제공 방안</a:t>
+                      </a:r>
+                    </a:p>
+                  </a:txBody>
+                  <a:tcPr/>
+                </a:tc>
+                <a:tc>
+                  <a:txBody>
+                    <a:bodyPr/>
+                    <a:lstStyle/>
+                    <a:p>
+                      <a:pPr latinLnBrk="1">
+                        <a:defRPr/>
+                      </a:pPr>
+                      <a:r>
+                        <a:rPr lang="en-US" altLang="ko-KR" sz="1100" dirty="0"/>
+                        <a:t>1.</a:t>
+                      </a:r>
+                      <a:r>
+                        <a:rPr lang="ko-KR" altLang="en-US" sz="1100" dirty="0"/>
+                        <a:t> 분석단계 이후 투입예정인 개발자를 위한 파이선 개발 가이드 제공 필요</a:t>
+                      </a:r>
+                    </a:p>
+                  </a:txBody>
+                  <a:tcPr/>
+                </a:tc>
+                <a:tc>
+                  <a:txBody>
+                    <a:bodyPr/>
+                    <a:lstStyle/>
+                    <a:p>
+                      <a:pPr latinLnBrk="1">
+                        <a:defRPr/>
+                      </a:pPr>
+                      <a:r>
+                        <a:rPr lang="en-US" altLang="ko-KR" sz="1100" dirty="0"/>
+                        <a:t>2020.04</a:t>
+                      </a:r>
+                      <a:endParaRPr lang="ko-KR" altLang="en-US" sz="1100" dirty="0"/>
+                    </a:p>
+                  </a:txBody>
+                  <a:tcPr/>
+                </a:tc>
+                <a:tc>
+                  <a:txBody>
+                    <a:bodyPr/>
+                    <a:lstStyle/>
+                    <a:p>
+                      <a:pPr latinLnBrk="1">
+                        <a:defRPr/>
+                      </a:pPr>
+                      <a:r>
+                        <a:rPr lang="ko-KR" altLang="en-US" sz="1100"/>
+                        <a:t>이병욱책임</a:t>
+                      </a:r>
+                    </a:p>
+                  </a:txBody>
+                  <a:tcPr/>
+                </a:tc>
+                <a:tc>
+                  <a:txBody>
+                    <a:bodyPr/>
+                    <a:lstStyle/>
+                    <a:p>
+                      <a:pPr latinLnBrk="1">
+                        <a:defRPr/>
+                      </a:pPr>
+                      <a:r>
+                        <a:rPr lang="ko-KR" altLang="en-US" sz="1100"/>
+                        <a:t>요청</a:t>
+                      </a:r>
+                    </a:p>
+                  </a:txBody>
+                  <a:tcPr>
+                    <a:lnR w="12700" cmpd="sng">
+                      <a:noFill/>
+                    </a:lnR>
+                  </a:tcPr>
+                </a:tc>
+              </a:tr>
+              <a:tr h="936000">
+                <a:tc>
+                  <a:txBody>
+                    <a:bodyPr/>
+                    <a:lstStyle/>
+                    <a:p>
+                      <a:pPr latinLnBrk="1">
+                        <a:defRPr/>
+                      </a:pPr>
+                      <a:r>
+                        <a:rPr lang="ko-KR" altLang="en-US" sz="1100"/>
+                        <a:t>로컬 </a:t>
+                      </a:r>
+                      <a:r>
+                        <a:rPr lang="en-US" altLang="ko-KR" sz="1100"/>
+                        <a:t>docker</a:t>
+                      </a:r>
+                      <a:r>
+                        <a:rPr lang="ko-KR" altLang="en-US" sz="1100"/>
+                        <a:t> 구축 가이드 제공 필요</a:t>
+                      </a:r>
+                    </a:p>
+                  </a:txBody>
+                  <a:tcPr/>
+                </a:tc>
+                <a:tc>
+                  <a:txBody>
+                    <a:bodyPr/>
+                    <a:lstStyle/>
+                    <a:p>
+                      <a:pPr latinLnBrk="1">
+                        <a:defRPr/>
+                      </a:pPr>
+                      <a:r>
+                        <a:rPr lang="en-US" altLang="ko-KR" sz="1100" dirty="0"/>
+                        <a:t>1.</a:t>
+                      </a:r>
+                      <a:r>
+                        <a:rPr lang="ko-KR" altLang="en-US" sz="1100" dirty="0"/>
+                        <a:t> 개발자 로컬 </a:t>
+                      </a:r>
+                      <a:r>
+                        <a:rPr lang="en-US" altLang="ko-KR" sz="1100" dirty="0"/>
+                        <a:t>DOCKER</a:t>
+                      </a:r>
+                      <a:r>
+                        <a:rPr lang="ko-KR" altLang="en-US" sz="1100" dirty="0"/>
+                        <a:t> 이미지 사용법 가이드 제공 필요</a:t>
+                      </a:r>
+                    </a:p>
+                  </a:txBody>
+                  <a:tcPr/>
+                </a:tc>
+                <a:tc>
+                  <a:txBody>
+                    <a:bodyPr/>
+                    <a:lstStyle/>
+                    <a:p>
+                      <a:pPr latinLnBrk="1">
+                        <a:defRPr/>
+                      </a:pPr>
+                      <a:r>
+                        <a:rPr lang="en-US" altLang="ko-KR" sz="1100" dirty="0"/>
+                        <a:t>2020.04</a:t>
+                      </a:r>
+                      <a:endParaRPr lang="ko-KR" altLang="en-US" sz="1100" dirty="0"/>
+                    </a:p>
+                  </a:txBody>
+                  <a:tcPr/>
+                </a:tc>
+                <a:tc>
+                  <a:txBody>
+                    <a:bodyPr/>
+                    <a:lstStyle/>
+                    <a:p>
+                      <a:pPr latinLnBrk="1">
+                        <a:defRPr/>
+                      </a:pPr>
+                      <a:r>
+                        <a:rPr lang="ko-KR" altLang="en-US" sz="1100" dirty="0"/>
+                        <a:t>임영석 책임</a:t>
+                      </a:r>
+                    </a:p>
+                    <a:p>
+                      <a:pPr latinLnBrk="1">
+                        <a:defRPr/>
+                      </a:pPr>
+                      <a:r>
+                        <a:rPr lang="ko-KR" altLang="en-US" sz="1100" dirty="0"/>
+                        <a:t>박석현 사원</a:t>
+                      </a:r>
+                    </a:p>
+                  </a:txBody>
+                  <a:tcPr/>
+                </a:tc>
+                <a:tc>
+                  <a:txBody>
+                    <a:bodyPr/>
+                    <a:lstStyle/>
+                    <a:p>
+                      <a:pPr latinLnBrk="1">
+                        <a:defRPr/>
+                      </a:pPr>
+                      <a:r>
+                        <a:rPr lang="ko-KR" altLang="en-US" sz="1100" dirty="0"/>
+                        <a:t>요청</a:t>
+                      </a:r>
+                    </a:p>
+                  </a:txBody>
+                  <a:tcPr>
+                    <a:lnR w="12700" cmpd="sng">
+                      <a:noFill/>
+                    </a:lnR>
+                  </a:tcPr>
+                </a:tc>
+              </a:tr>
+              <a:tr h="936000">
+                <a:tc>
+                  <a:txBody>
+                    <a:bodyPr/>
+                    <a:lstStyle/>
+                    <a:p>
+                      <a:pPr latinLnBrk="1">
+                        <a:defRPr/>
+                      </a:pPr>
+                      <a:r>
+                        <a:rPr lang="ko-KR" altLang="en-US" sz="1100"/>
+                        <a:t>형상관리 방안 확정</a:t>
+                      </a:r>
+                    </a:p>
+                  </a:txBody>
+                  <a:tcPr/>
+                </a:tc>
+                <a:tc>
+                  <a:txBody>
+                    <a:bodyPr/>
+                    <a:lstStyle/>
+                    <a:p>
+                      <a:pPr latinLnBrk="1">
+                        <a:defRPr/>
+                      </a:pPr>
+                      <a:r>
+                        <a:rPr lang="en-US" altLang="ko-KR" sz="1100"/>
+                        <a:t>1.GIT</a:t>
+                      </a:r>
+                      <a:r>
+                        <a:rPr lang="ko-KR" altLang="en-US" sz="1100"/>
+                        <a:t> 을 통하여 소스 형상관리를 진행하며 </a:t>
+                      </a:r>
+                    </a:p>
+                    <a:p>
+                      <a:pPr latinLnBrk="1">
+                        <a:defRPr/>
+                      </a:pPr>
+                      <a:r>
+                        <a:rPr lang="ko-KR" altLang="en-US" sz="1100"/>
+                        <a:t>대상</a:t>
+                      </a:r>
+                      <a:r>
+                        <a:rPr lang="en-US" altLang="ko-KR" sz="1100"/>
+                        <a:t> GIT</a:t>
+                      </a:r>
+                      <a:r>
+                        <a:rPr lang="ko-KR" altLang="en-US" sz="1100"/>
+                        <a:t> </a:t>
+                      </a:r>
+                      <a:r>
+                        <a:rPr lang="en-US" altLang="ko-KR" sz="1100"/>
+                        <a:t>Repository</a:t>
+                      </a:r>
+                      <a:r>
+                        <a:rPr lang="ko-KR" altLang="en-US" sz="1100"/>
+                        <a:t> 구축 진행이 필요함</a:t>
+                      </a:r>
+                    </a:p>
+                  </a:txBody>
+                  <a:tcPr/>
+                </a:tc>
+                <a:tc>
+                  <a:txBody>
+                    <a:bodyPr/>
+                    <a:lstStyle/>
+                    <a:p>
+                      <a:pPr latinLnBrk="1">
+                        <a:defRPr/>
+                      </a:pPr>
+                      <a:r>
+                        <a:rPr lang="en-US" altLang="ko-KR" sz="1100"/>
+                        <a:t>2020.04</a:t>
+                      </a:r>
+                    </a:p>
+                  </a:txBody>
+                  <a:tcPr/>
+                </a:tc>
+                <a:tc>
+                  <a:txBody>
+                    <a:bodyPr/>
+                    <a:lstStyle/>
+                    <a:p>
+                      <a:pPr latinLnBrk="1">
+                        <a:defRPr/>
+                      </a:pPr>
+                      <a:r>
+                        <a:rPr lang="ko-KR" altLang="en-US" sz="1100"/>
+                        <a:t> 이병욱 책임</a:t>
+                      </a:r>
+                    </a:p>
+                  </a:txBody>
+                  <a:tcPr/>
+                </a:tc>
+                <a:tc>
+                  <a:txBody>
+                    <a:bodyPr/>
+                    <a:lstStyle/>
+                    <a:p>
+                      <a:pPr latinLnBrk="1">
+                        <a:defRPr/>
+                      </a:pPr>
+                      <a:r>
+                        <a:rPr lang="ko-KR" altLang="en-US" sz="1100" dirty="0" err="1"/>
                         <a:t>진행중</a:t>
                       </a:r>
                       <a:endParaRPr lang="ko-KR" altLang="en-US" sz="1100" dirty="0"/>
                     </a:p>
                   </a:txBody>
-                  <a:tcPr anchor="ctr">
+                  <a:tcPr>
                     <a:lnR w="12700" cmpd="sng">
                       <a:noFill/>
                     </a:lnR>
